--- a/res/aula/img/imagens.pptx
+++ b/res/aula/img/imagens.pptx
@@ -106,6 +106,11 @@
       </a:defRPr>
     </a:lvl9pPr>
   </p:defaultTextStyle>
+  <p:extLst>
+    <p:ext uri="{EFAFB233-063F-42B5-8137-9DF3F51BA10A}">
+      <p15:sldGuideLst xmlns:p15="http://schemas.microsoft.com/office/powerpoint/2012/main"/>
+    </p:ext>
+  </p:extLst>
 </p:presentation>
 </file>
 
@@ -258,7 +263,7 @@
           <a:p>
             <a:fld id="{12E3AA6D-6D44-40BD-83AF-A2B3F3BAB97A}" type="datetimeFigureOut">
               <a:rPr lang="pt-BR" smtClean="0"/>
-              <a:t>22/09/2019</a:t>
+              <a:t>29/09/2019</a:t>
             </a:fld>
             <a:endParaRPr lang="pt-BR"/>
           </a:p>
@@ -458,7 +463,7 @@
           <a:p>
             <a:fld id="{12E3AA6D-6D44-40BD-83AF-A2B3F3BAB97A}" type="datetimeFigureOut">
               <a:rPr lang="pt-BR" smtClean="0"/>
-              <a:t>22/09/2019</a:t>
+              <a:t>29/09/2019</a:t>
             </a:fld>
             <a:endParaRPr lang="pt-BR"/>
           </a:p>
@@ -668,7 +673,7 @@
           <a:p>
             <a:fld id="{12E3AA6D-6D44-40BD-83AF-A2B3F3BAB97A}" type="datetimeFigureOut">
               <a:rPr lang="pt-BR" smtClean="0"/>
-              <a:t>22/09/2019</a:t>
+              <a:t>29/09/2019</a:t>
             </a:fld>
             <a:endParaRPr lang="pt-BR"/>
           </a:p>
@@ -868,7 +873,7 @@
           <a:p>
             <a:fld id="{12E3AA6D-6D44-40BD-83AF-A2B3F3BAB97A}" type="datetimeFigureOut">
               <a:rPr lang="pt-BR" smtClean="0"/>
-              <a:t>22/09/2019</a:t>
+              <a:t>29/09/2019</a:t>
             </a:fld>
             <a:endParaRPr lang="pt-BR"/>
           </a:p>
@@ -1144,7 +1149,7 @@
           <a:p>
             <a:fld id="{12E3AA6D-6D44-40BD-83AF-A2B3F3BAB97A}" type="datetimeFigureOut">
               <a:rPr lang="pt-BR" smtClean="0"/>
-              <a:t>22/09/2019</a:t>
+              <a:t>29/09/2019</a:t>
             </a:fld>
             <a:endParaRPr lang="pt-BR"/>
           </a:p>
@@ -1412,7 +1417,7 @@
           <a:p>
             <a:fld id="{12E3AA6D-6D44-40BD-83AF-A2B3F3BAB97A}" type="datetimeFigureOut">
               <a:rPr lang="pt-BR" smtClean="0"/>
-              <a:t>22/09/2019</a:t>
+              <a:t>29/09/2019</a:t>
             </a:fld>
             <a:endParaRPr lang="pt-BR"/>
           </a:p>
@@ -1827,7 +1832,7 @@
           <a:p>
             <a:fld id="{12E3AA6D-6D44-40BD-83AF-A2B3F3BAB97A}" type="datetimeFigureOut">
               <a:rPr lang="pt-BR" smtClean="0"/>
-              <a:t>22/09/2019</a:t>
+              <a:t>29/09/2019</a:t>
             </a:fld>
             <a:endParaRPr lang="pt-BR"/>
           </a:p>
@@ -1969,7 +1974,7 @@
           <a:p>
             <a:fld id="{12E3AA6D-6D44-40BD-83AF-A2B3F3BAB97A}" type="datetimeFigureOut">
               <a:rPr lang="pt-BR" smtClean="0"/>
-              <a:t>22/09/2019</a:t>
+              <a:t>29/09/2019</a:t>
             </a:fld>
             <a:endParaRPr lang="pt-BR"/>
           </a:p>
@@ -2082,7 +2087,7 @@
           <a:p>
             <a:fld id="{12E3AA6D-6D44-40BD-83AF-A2B3F3BAB97A}" type="datetimeFigureOut">
               <a:rPr lang="pt-BR" smtClean="0"/>
-              <a:t>22/09/2019</a:t>
+              <a:t>29/09/2019</a:t>
             </a:fld>
             <a:endParaRPr lang="pt-BR"/>
           </a:p>
@@ -2395,7 +2400,7 @@
           <a:p>
             <a:fld id="{12E3AA6D-6D44-40BD-83AF-A2B3F3BAB97A}" type="datetimeFigureOut">
               <a:rPr lang="pt-BR" smtClean="0"/>
-              <a:t>22/09/2019</a:t>
+              <a:t>29/09/2019</a:t>
             </a:fld>
             <a:endParaRPr lang="pt-BR"/>
           </a:p>
@@ -2684,7 +2689,7 @@
           <a:p>
             <a:fld id="{12E3AA6D-6D44-40BD-83AF-A2B3F3BAB97A}" type="datetimeFigureOut">
               <a:rPr lang="pt-BR" smtClean="0"/>
-              <a:t>22/09/2019</a:t>
+              <a:t>29/09/2019</a:t>
             </a:fld>
             <a:endParaRPr lang="pt-BR"/>
           </a:p>
@@ -2927,7 +2932,7 @@
           <a:p>
             <a:fld id="{12E3AA6D-6D44-40BD-83AF-A2B3F3BAB97A}" type="datetimeFigureOut">
               <a:rPr lang="pt-BR" smtClean="0"/>
-              <a:t>22/09/2019</a:t>
+              <a:t>29/09/2019</a:t>
             </a:fld>
             <a:endParaRPr lang="pt-BR"/>
           </a:p>
@@ -3964,7 +3969,7 @@
             <a:p>
               <a:pPr algn="ctr"/>
               <a:r>
-                <a:rPr lang="pt-BR"/>
+                <a:rPr lang="pt-BR" dirty="0"/>
                 <a:t>Qualitativas</a:t>
               </a:r>
             </a:p>
@@ -4365,15 +4370,7 @@
               </a:r>
               <a:r>
                 <a:rPr lang="pt-BR" dirty="0"/>
-                <a:t>: escolaridade, nível de colesterol, </a:t>
-              </a:r>
-              <a:r>
-                <a:rPr lang="pt-BR" dirty="0" err="1"/>
-                <a:t>faiza</a:t>
-              </a:r>
-              <a:r>
-                <a:rPr lang="pt-BR" dirty="0"/>
-                <a:t> etária</a:t>
+                <a:t>: escolaridade, nível de colesterol, faixa etária</a:t>
               </a:r>
             </a:p>
           </p:txBody>
